--- a/Sosyal Mesafe Analizi.pptx
+++ b/Sosyal Mesafe Analizi.pptx
@@ -878,7 +878,7 @@
           <a:noFill/>
           <a:extLst>
             <a:ext uri="{909E8E84-426E-40dd-AFC4-6F175D3DCCD1}">
-              <a14:hiddenFill xmlns:a14="http://schemas.microsoft.com/office/drawing/2010/main" xmlns="">
+              <a14:hiddenFill xmlns="" xmlns:a14="http://schemas.microsoft.com/office/drawing/2010/main">
                 <a:solidFill>
                   <a:srgbClr val="FFFFFF"/>
                 </a:solidFill>
@@ -937,7 +937,7 @@
             </a:ln>
             <a:extLst>
               <a:ext uri="{91240B29-F687-4f45-9708-019B960494DF}">
-                <a14:hiddenLine xmlns:a14="http://schemas.microsoft.com/office/drawing/2010/main" xmlns="" w="9525">
+                <a14:hiddenLine xmlns="" xmlns:a14="http://schemas.microsoft.com/office/drawing/2010/main" w="9525">
                   <a:solidFill>
                     <a:srgbClr val="000000"/>
                   </a:solidFill>
@@ -1027,7 +1027,7 @@
             </a:ln>
             <a:extLst>
               <a:ext uri="{91240B29-F687-4f45-9708-019B960494DF}">
-                <a14:hiddenLine xmlns:a14="http://schemas.microsoft.com/office/drawing/2010/main" xmlns="" w="9525">
+                <a14:hiddenLine xmlns="" xmlns:a14="http://schemas.microsoft.com/office/drawing/2010/main" w="9525">
                   <a:solidFill>
                     <a:srgbClr val="000000"/>
                   </a:solidFill>
@@ -1117,7 +1117,7 @@
             </a:ln>
             <a:extLst>
               <a:ext uri="{91240B29-F687-4f45-9708-019B960494DF}">
-                <a14:hiddenLine xmlns:a14="http://schemas.microsoft.com/office/drawing/2010/main" xmlns="" w="9525">
+                <a14:hiddenLine xmlns="" xmlns:a14="http://schemas.microsoft.com/office/drawing/2010/main" w="9525">
                   <a:solidFill>
                     <a:srgbClr val="000000"/>
                   </a:solidFill>
@@ -1151,7 +1151,7 @@
             </a:ln>
             <a:extLst>
               <a:ext uri="{91240B29-F687-4f45-9708-019B960494DF}">
-                <a14:hiddenLine xmlns:a14="http://schemas.microsoft.com/office/drawing/2010/main" xmlns="" w="9525">
+                <a14:hiddenLine xmlns="" xmlns:a14="http://schemas.microsoft.com/office/drawing/2010/main" w="9525">
                   <a:solidFill>
                     <a:srgbClr val="000000"/>
                   </a:solidFill>
@@ -1241,7 +1241,7 @@
             </a:ln>
             <a:extLst>
               <a:ext uri="{91240B29-F687-4f45-9708-019B960494DF}">
-                <a14:hiddenLine xmlns:a14="http://schemas.microsoft.com/office/drawing/2010/main" xmlns="" w="9525">
+                <a14:hiddenLine xmlns="" xmlns:a14="http://schemas.microsoft.com/office/drawing/2010/main" w="9525">
                   <a:solidFill>
                     <a:srgbClr val="000000"/>
                   </a:solidFill>
@@ -1303,7 +1303,7 @@
             </a:ln>
             <a:extLst>
               <a:ext uri="{91240B29-F687-4f45-9708-019B960494DF}">
-                <a14:hiddenLine xmlns:a14="http://schemas.microsoft.com/office/drawing/2010/main" xmlns="" w="9525">
+                <a14:hiddenLine xmlns="" xmlns:a14="http://schemas.microsoft.com/office/drawing/2010/main" w="9525">
                   <a:solidFill>
                     <a:srgbClr val="000000"/>
                   </a:solidFill>
@@ -1365,7 +1365,7 @@
             </a:ln>
             <a:extLst>
               <a:ext uri="{91240B29-F687-4f45-9708-019B960494DF}">
-                <a14:hiddenLine xmlns:a14="http://schemas.microsoft.com/office/drawing/2010/main" xmlns="" w="9525">
+                <a14:hiddenLine xmlns="" xmlns:a14="http://schemas.microsoft.com/office/drawing/2010/main" w="9525">
                   <a:solidFill>
                     <a:srgbClr val="000000"/>
                   </a:solidFill>
@@ -1455,7 +1455,7 @@
             </a:ln>
             <a:extLst>
               <a:ext uri="{91240B29-F687-4f45-9708-019B960494DF}">
-                <a14:hiddenLine xmlns:a14="http://schemas.microsoft.com/office/drawing/2010/main" xmlns="" w="9525">
+                <a14:hiddenLine xmlns="" xmlns:a14="http://schemas.microsoft.com/office/drawing/2010/main" w="9525">
                   <a:solidFill>
                     <a:srgbClr val="000000"/>
                   </a:solidFill>
@@ -1517,7 +1517,7 @@
             </a:ln>
             <a:extLst>
               <a:ext uri="{91240B29-F687-4f45-9708-019B960494DF}">
-                <a14:hiddenLine xmlns:a14="http://schemas.microsoft.com/office/drawing/2010/main" xmlns="" w="9525">
+                <a14:hiddenLine xmlns="" xmlns:a14="http://schemas.microsoft.com/office/drawing/2010/main" w="9525">
                   <a:solidFill>
                     <a:srgbClr val="000000"/>
                   </a:solidFill>
@@ -1579,7 +1579,7 @@
             </a:ln>
             <a:extLst>
               <a:ext uri="{91240B29-F687-4f45-9708-019B960494DF}">
-                <a14:hiddenLine xmlns:a14="http://schemas.microsoft.com/office/drawing/2010/main" xmlns="" w="9525">
+                <a14:hiddenLine xmlns="" xmlns:a14="http://schemas.microsoft.com/office/drawing/2010/main" w="9525">
                   <a:solidFill>
                     <a:srgbClr val="000000"/>
                   </a:solidFill>
@@ -1669,7 +1669,7 @@
             </a:ln>
             <a:extLst>
               <a:ext uri="{91240B29-F687-4f45-9708-019B960494DF}">
-                <a14:hiddenLine xmlns:a14="http://schemas.microsoft.com/office/drawing/2010/main" xmlns="" w="9525">
+                <a14:hiddenLine xmlns="" xmlns:a14="http://schemas.microsoft.com/office/drawing/2010/main" w="9525">
                   <a:solidFill>
                     <a:srgbClr val="000000"/>
                   </a:solidFill>
@@ -1759,7 +1759,7 @@
             </a:ln>
             <a:extLst>
               <a:ext uri="{91240B29-F687-4f45-9708-019B960494DF}">
-                <a14:hiddenLine xmlns:a14="http://schemas.microsoft.com/office/drawing/2010/main" xmlns="" w="9525">
+                <a14:hiddenLine xmlns="" xmlns:a14="http://schemas.microsoft.com/office/drawing/2010/main" w="9525">
                   <a:solidFill>
                     <a:srgbClr val="000000"/>
                   </a:solidFill>
@@ -1821,7 +1821,7 @@
             </a:ln>
             <a:extLst>
               <a:ext uri="{91240B29-F687-4f45-9708-019B960494DF}">
-                <a14:hiddenLine xmlns:a14="http://schemas.microsoft.com/office/drawing/2010/main" xmlns="" w="9525">
+                <a14:hiddenLine xmlns="" xmlns:a14="http://schemas.microsoft.com/office/drawing/2010/main" w="9525">
                   <a:solidFill>
                     <a:srgbClr val="000000"/>
                   </a:solidFill>
@@ -1931,7 +1931,7 @@
             </a:ln>
             <a:extLst>
               <a:ext uri="{91240B29-F687-4f45-9708-019B960494DF}">
-                <a14:hiddenLine xmlns:a14="http://schemas.microsoft.com/office/drawing/2010/main" xmlns="" w="9525">
+                <a14:hiddenLine xmlns="" xmlns:a14="http://schemas.microsoft.com/office/drawing/2010/main" w="9525">
                   <a:solidFill>
                     <a:srgbClr val="000000"/>
                   </a:solidFill>
@@ -1993,7 +1993,7 @@
             </a:ln>
             <a:extLst>
               <a:ext uri="{91240B29-F687-4f45-9708-019B960494DF}">
-                <a14:hiddenLine xmlns:a14="http://schemas.microsoft.com/office/drawing/2010/main" xmlns="" w="9525">
+                <a14:hiddenLine xmlns="" xmlns:a14="http://schemas.microsoft.com/office/drawing/2010/main" w="9525">
                   <a:solidFill>
                     <a:srgbClr val="000000"/>
                   </a:solidFill>
@@ -2083,7 +2083,7 @@
             </a:ln>
             <a:extLst>
               <a:ext uri="{91240B29-F687-4f45-9708-019B960494DF}">
-                <a14:hiddenLine xmlns:a14="http://schemas.microsoft.com/office/drawing/2010/main" xmlns="" w="9525">
+                <a14:hiddenLine xmlns="" xmlns:a14="http://schemas.microsoft.com/office/drawing/2010/main" w="9525">
                   <a:solidFill>
                     <a:srgbClr val="000000"/>
                   </a:solidFill>
@@ -2173,7 +2173,7 @@
             </a:ln>
             <a:extLst>
               <a:ext uri="{91240B29-F687-4f45-9708-019B960494DF}">
-                <a14:hiddenLine xmlns:a14="http://schemas.microsoft.com/office/drawing/2010/main" xmlns="" w="9525">
+                <a14:hiddenLine xmlns="" xmlns:a14="http://schemas.microsoft.com/office/drawing/2010/main" w="9525">
                   <a:solidFill>
                     <a:srgbClr val="000000"/>
                   </a:solidFill>
@@ -2235,7 +2235,7 @@
             </a:ln>
             <a:extLst>
               <a:ext uri="{91240B29-F687-4f45-9708-019B960494DF}">
-                <a14:hiddenLine xmlns:a14="http://schemas.microsoft.com/office/drawing/2010/main" xmlns="" w="9525">
+                <a14:hiddenLine xmlns="" xmlns:a14="http://schemas.microsoft.com/office/drawing/2010/main" w="9525">
                   <a:solidFill>
                     <a:srgbClr val="000000"/>
                   </a:solidFill>
@@ -2325,7 +2325,7 @@
             </a:ln>
             <a:extLst>
               <a:ext uri="{91240B29-F687-4f45-9708-019B960494DF}">
-                <a14:hiddenLine xmlns:a14="http://schemas.microsoft.com/office/drawing/2010/main" xmlns="" w="9525">
+                <a14:hiddenLine xmlns="" xmlns:a14="http://schemas.microsoft.com/office/drawing/2010/main" w="9525">
                   <a:solidFill>
                     <a:srgbClr val="000000"/>
                   </a:solidFill>
@@ -2415,7 +2415,7 @@
             </a:ln>
             <a:extLst>
               <a:ext uri="{91240B29-F687-4f45-9708-019B960494DF}">
-                <a14:hiddenLine xmlns:a14="http://schemas.microsoft.com/office/drawing/2010/main" xmlns="" w="9525">
+                <a14:hiddenLine xmlns="" xmlns:a14="http://schemas.microsoft.com/office/drawing/2010/main" w="9525">
                   <a:solidFill>
                     <a:srgbClr val="000000"/>
                   </a:solidFill>
@@ -2471,7 +2471,7 @@
             </a:ln>
             <a:extLst>
               <a:ext uri="{91240B29-F687-4f45-9708-019B960494DF}">
-                <a14:hiddenLine xmlns:a14="http://schemas.microsoft.com/office/drawing/2010/main" xmlns="" w="9525">
+                <a14:hiddenLine xmlns="" xmlns:a14="http://schemas.microsoft.com/office/drawing/2010/main" w="9525">
                   <a:solidFill>
                     <a:srgbClr val="000000"/>
                   </a:solidFill>
@@ -2561,7 +2561,7 @@
             </a:ln>
             <a:extLst>
               <a:ext uri="{91240B29-F687-4f45-9708-019B960494DF}">
-                <a14:hiddenLine xmlns:a14="http://schemas.microsoft.com/office/drawing/2010/main" xmlns="" w="9525">
+                <a14:hiddenLine xmlns="" xmlns:a14="http://schemas.microsoft.com/office/drawing/2010/main" w="9525">
                   <a:solidFill>
                     <a:srgbClr val="000000"/>
                   </a:solidFill>
@@ -2617,7 +2617,7 @@
             </a:ln>
             <a:extLst>
               <a:ext uri="{91240B29-F687-4f45-9708-019B960494DF}">
-                <a14:hiddenLine xmlns:a14="http://schemas.microsoft.com/office/drawing/2010/main" xmlns="" w="9525">
+                <a14:hiddenLine xmlns="" xmlns:a14="http://schemas.microsoft.com/office/drawing/2010/main" w="9525">
                   <a:solidFill>
                     <a:srgbClr val="000000"/>
                   </a:solidFill>
@@ -2707,7 +2707,7 @@
             </a:ln>
             <a:extLst>
               <a:ext uri="{91240B29-F687-4f45-9708-019B960494DF}">
-                <a14:hiddenLine xmlns:a14="http://schemas.microsoft.com/office/drawing/2010/main" xmlns="" w="9525">
+                <a14:hiddenLine xmlns="" xmlns:a14="http://schemas.microsoft.com/office/drawing/2010/main" w="9525">
                   <a:solidFill>
                     <a:srgbClr val="000000"/>
                   </a:solidFill>
@@ -2775,7 +2775,7 @@
             </a:ln>
             <a:extLst>
               <a:ext uri="{91240B29-F687-4f45-9708-019B960494DF}">
-                <a14:hiddenLine xmlns:a14="http://schemas.microsoft.com/office/drawing/2010/main" xmlns="" w="9525">
+                <a14:hiddenLine xmlns="" xmlns:a14="http://schemas.microsoft.com/office/drawing/2010/main" w="9525">
                   <a:solidFill>
                     <a:srgbClr val="000000"/>
                   </a:solidFill>
@@ -2865,7 +2865,7 @@
             </a:ln>
             <a:extLst>
               <a:ext uri="{91240B29-F687-4f45-9708-019B960494DF}">
-                <a14:hiddenLine xmlns:a14="http://schemas.microsoft.com/office/drawing/2010/main" xmlns="" w="9525">
+                <a14:hiddenLine xmlns="" xmlns:a14="http://schemas.microsoft.com/office/drawing/2010/main" w="9525">
                   <a:solidFill>
                     <a:srgbClr val="000000"/>
                   </a:solidFill>
@@ -2933,7 +2933,7 @@
             </a:ln>
             <a:extLst>
               <a:ext uri="{91240B29-F687-4f45-9708-019B960494DF}">
-                <a14:hiddenLine xmlns:a14="http://schemas.microsoft.com/office/drawing/2010/main" xmlns="" w="9525">
+                <a14:hiddenLine xmlns="" xmlns:a14="http://schemas.microsoft.com/office/drawing/2010/main" w="9525">
                   <a:solidFill>
                     <a:srgbClr val="000000"/>
                   </a:solidFill>
@@ -3023,7 +3023,7 @@
             </a:ln>
             <a:extLst>
               <a:ext uri="{91240B29-F687-4f45-9708-019B960494DF}">
-                <a14:hiddenLine xmlns:a14="http://schemas.microsoft.com/office/drawing/2010/main" xmlns="" w="9525">
+                <a14:hiddenLine xmlns="" xmlns:a14="http://schemas.microsoft.com/office/drawing/2010/main" w="9525">
                   <a:solidFill>
                     <a:srgbClr val="000000"/>
                   </a:solidFill>
@@ -3057,7 +3057,7 @@
             </a:ln>
             <a:extLst>
               <a:ext uri="{91240B29-F687-4f45-9708-019B960494DF}">
-                <a14:hiddenLine xmlns:a14="http://schemas.microsoft.com/office/drawing/2010/main" xmlns="" w="9525">
+                <a14:hiddenLine xmlns="" xmlns:a14="http://schemas.microsoft.com/office/drawing/2010/main" w="9525">
                   <a:solidFill>
                     <a:srgbClr val="000000"/>
                   </a:solidFill>
@@ -3147,7 +3147,7 @@
             </a:ln>
             <a:extLst>
               <a:ext uri="{91240B29-F687-4f45-9708-019B960494DF}">
-                <a14:hiddenLine xmlns:a14="http://schemas.microsoft.com/office/drawing/2010/main" xmlns="" w="9525">
+                <a14:hiddenLine xmlns="" xmlns:a14="http://schemas.microsoft.com/office/drawing/2010/main" w="9525">
                   <a:solidFill>
                     <a:srgbClr val="000000"/>
                   </a:solidFill>
@@ -3209,7 +3209,7 @@
             </a:ln>
             <a:extLst>
               <a:ext uri="{91240B29-F687-4f45-9708-019B960494DF}">
-                <a14:hiddenLine xmlns:a14="http://schemas.microsoft.com/office/drawing/2010/main" xmlns="" w="9525">
+                <a14:hiddenLine xmlns="" xmlns:a14="http://schemas.microsoft.com/office/drawing/2010/main" w="9525">
                   <a:solidFill>
                     <a:srgbClr val="000000"/>
                   </a:solidFill>
@@ -3271,7 +3271,7 @@
             </a:ln>
             <a:extLst>
               <a:ext uri="{91240B29-F687-4f45-9708-019B960494DF}">
-                <a14:hiddenLine xmlns:a14="http://schemas.microsoft.com/office/drawing/2010/main" xmlns="" w="9525">
+                <a14:hiddenLine xmlns="" xmlns:a14="http://schemas.microsoft.com/office/drawing/2010/main" w="9525">
                   <a:solidFill>
                     <a:srgbClr val="000000"/>
                   </a:solidFill>
@@ -3361,7 +3361,7 @@
             </a:ln>
             <a:extLst>
               <a:ext uri="{91240B29-F687-4f45-9708-019B960494DF}">
-                <a14:hiddenLine xmlns:a14="http://schemas.microsoft.com/office/drawing/2010/main" xmlns="" w="9525">
+                <a14:hiddenLine xmlns="" xmlns:a14="http://schemas.microsoft.com/office/drawing/2010/main" w="9525">
                   <a:solidFill>
                     <a:srgbClr val="000000"/>
                   </a:solidFill>
@@ -3429,7 +3429,7 @@
             </a:ln>
             <a:extLst>
               <a:ext uri="{91240B29-F687-4f45-9708-019B960494DF}">
-                <a14:hiddenLine xmlns:a14="http://schemas.microsoft.com/office/drawing/2010/main" xmlns="" w="9525">
+                <a14:hiddenLine xmlns="" xmlns:a14="http://schemas.microsoft.com/office/drawing/2010/main" w="9525">
                   <a:solidFill>
                     <a:srgbClr val="000000"/>
                   </a:solidFill>
@@ -3491,7 +3491,7 @@
             </a:ln>
             <a:extLst>
               <a:ext uri="{91240B29-F687-4f45-9708-019B960494DF}">
-                <a14:hiddenLine xmlns:a14="http://schemas.microsoft.com/office/drawing/2010/main" xmlns="" w="9525">
+                <a14:hiddenLine xmlns="" xmlns:a14="http://schemas.microsoft.com/office/drawing/2010/main" w="9525">
                   <a:solidFill>
                     <a:srgbClr val="000000"/>
                   </a:solidFill>
@@ -3581,7 +3581,7 @@
             </a:ln>
             <a:extLst>
               <a:ext uri="{91240B29-F687-4f45-9708-019B960494DF}">
-                <a14:hiddenLine xmlns:a14="http://schemas.microsoft.com/office/drawing/2010/main" xmlns="" w="9525">
+                <a14:hiddenLine xmlns="" xmlns:a14="http://schemas.microsoft.com/office/drawing/2010/main" w="9525">
                   <a:solidFill>
                     <a:srgbClr val="000000"/>
                   </a:solidFill>
@@ -3643,7 +3643,7 @@
             </a:ln>
             <a:extLst>
               <a:ext uri="{91240B29-F687-4f45-9708-019B960494DF}">
-                <a14:hiddenLine xmlns:a14="http://schemas.microsoft.com/office/drawing/2010/main" xmlns="" w="9525">
+                <a14:hiddenLine xmlns="" xmlns:a14="http://schemas.microsoft.com/office/drawing/2010/main" w="9525">
                   <a:solidFill>
                     <a:srgbClr val="000000"/>
                   </a:solidFill>
@@ -3733,7 +3733,7 @@
             </a:ln>
             <a:extLst>
               <a:ext uri="{91240B29-F687-4f45-9708-019B960494DF}">
-                <a14:hiddenLine xmlns:a14="http://schemas.microsoft.com/office/drawing/2010/main" xmlns="" w="9525">
+                <a14:hiddenLine xmlns="" xmlns:a14="http://schemas.microsoft.com/office/drawing/2010/main" w="9525">
                   <a:solidFill>
                     <a:srgbClr val="000000"/>
                   </a:solidFill>
@@ -3795,7 +3795,7 @@
             </a:ln>
             <a:extLst>
               <a:ext uri="{91240B29-F687-4f45-9708-019B960494DF}">
-                <a14:hiddenLine xmlns:a14="http://schemas.microsoft.com/office/drawing/2010/main" xmlns="" w="9525">
+                <a14:hiddenLine xmlns="" xmlns:a14="http://schemas.microsoft.com/office/drawing/2010/main" w="9525">
                   <a:solidFill>
                     <a:srgbClr val="000000"/>
                   </a:solidFill>
@@ -3885,7 +3885,7 @@
             </a:ln>
             <a:extLst>
               <a:ext uri="{91240B29-F687-4f45-9708-019B960494DF}">
-                <a14:hiddenLine xmlns:a14="http://schemas.microsoft.com/office/drawing/2010/main" xmlns="" w="9525">
+                <a14:hiddenLine xmlns="" xmlns:a14="http://schemas.microsoft.com/office/drawing/2010/main" w="9525">
                   <a:solidFill>
                     <a:srgbClr val="000000"/>
                   </a:solidFill>
@@ -3919,7 +3919,7 @@
             </a:ln>
             <a:extLst>
               <a:ext uri="{91240B29-F687-4f45-9708-019B960494DF}">
-                <a14:hiddenLine xmlns:a14="http://schemas.microsoft.com/office/drawing/2010/main" xmlns="" w="9525">
+                <a14:hiddenLine xmlns="" xmlns:a14="http://schemas.microsoft.com/office/drawing/2010/main" w="9525">
                   <a:solidFill>
                     <a:srgbClr val="000000"/>
                   </a:solidFill>
@@ -3984,7 +3984,7 @@
             </a:ln>
             <a:extLst>
               <a:ext uri="{91240B29-F687-4f45-9708-019B960494DF}">
-                <a14:hiddenLine xmlns:a14="http://schemas.microsoft.com/office/drawing/2010/main" xmlns="" w="9525">
+                <a14:hiddenLine xmlns="" xmlns:a14="http://schemas.microsoft.com/office/drawing/2010/main" w="9525">
                   <a:solidFill>
                     <a:srgbClr val="000000"/>
                   </a:solidFill>
@@ -4074,7 +4074,7 @@
             </a:ln>
             <a:extLst>
               <a:ext uri="{91240B29-F687-4f45-9708-019B960494DF}">
-                <a14:hiddenLine xmlns:a14="http://schemas.microsoft.com/office/drawing/2010/main" xmlns="" w="9525">
+                <a14:hiddenLine xmlns="" xmlns:a14="http://schemas.microsoft.com/office/drawing/2010/main" w="9525">
                   <a:solidFill>
                     <a:srgbClr val="000000"/>
                   </a:solidFill>
@@ -4136,7 +4136,7 @@
             </a:ln>
             <a:extLst>
               <a:ext uri="{91240B29-F687-4f45-9708-019B960494DF}">
-                <a14:hiddenLine xmlns:a14="http://schemas.microsoft.com/office/drawing/2010/main" xmlns="" w="9525">
+                <a14:hiddenLine xmlns="" xmlns:a14="http://schemas.microsoft.com/office/drawing/2010/main" w="9525">
                   <a:solidFill>
                     <a:srgbClr val="000000"/>
                   </a:solidFill>
@@ -4226,7 +4226,7 @@
             </a:ln>
             <a:extLst>
               <a:ext uri="{91240B29-F687-4f45-9708-019B960494DF}">
-                <a14:hiddenLine xmlns:a14="http://schemas.microsoft.com/office/drawing/2010/main" xmlns="" w="9525">
+                <a14:hiddenLine xmlns="" xmlns:a14="http://schemas.microsoft.com/office/drawing/2010/main" w="9525">
                   <a:solidFill>
                     <a:srgbClr val="000000"/>
                   </a:solidFill>
@@ -4316,7 +4316,7 @@
             </a:ln>
             <a:extLst>
               <a:ext uri="{91240B29-F687-4f45-9708-019B960494DF}">
-                <a14:hiddenLine xmlns:a14="http://schemas.microsoft.com/office/drawing/2010/main" xmlns="" w="9525">
+                <a14:hiddenLine xmlns="" xmlns:a14="http://schemas.microsoft.com/office/drawing/2010/main" w="9525">
                   <a:solidFill>
                     <a:srgbClr val="000000"/>
                   </a:solidFill>
@@ -4381,7 +4381,7 @@
             </a:ln>
             <a:extLst>
               <a:ext uri="{91240B29-F687-4f45-9708-019B960494DF}">
-                <a14:hiddenLine xmlns:a14="http://schemas.microsoft.com/office/drawing/2010/main" xmlns="" w="9525">
+                <a14:hiddenLine xmlns="" xmlns:a14="http://schemas.microsoft.com/office/drawing/2010/main" w="9525">
                   <a:solidFill>
                     <a:srgbClr val="000000"/>
                   </a:solidFill>
@@ -4443,7 +4443,7 @@
             </a:ln>
             <a:extLst>
               <a:ext uri="{91240B29-F687-4f45-9708-019B960494DF}">
-                <a14:hiddenLine xmlns:a14="http://schemas.microsoft.com/office/drawing/2010/main" xmlns="" w="9525">
+                <a14:hiddenLine xmlns="" xmlns:a14="http://schemas.microsoft.com/office/drawing/2010/main" w="9525">
                   <a:solidFill>
                     <a:srgbClr val="000000"/>
                   </a:solidFill>
@@ -4533,7 +4533,7 @@
             </a:ln>
             <a:extLst>
               <a:ext uri="{91240B29-F687-4f45-9708-019B960494DF}">
-                <a14:hiddenLine xmlns:a14="http://schemas.microsoft.com/office/drawing/2010/main" xmlns="" w="9525">
+                <a14:hiddenLine xmlns="" xmlns:a14="http://schemas.microsoft.com/office/drawing/2010/main" w="9525">
                   <a:solidFill>
                     <a:srgbClr val="000000"/>
                   </a:solidFill>
@@ -4623,7 +4623,7 @@
             </a:ln>
             <a:extLst>
               <a:ext uri="{91240B29-F687-4f45-9708-019B960494DF}">
-                <a14:hiddenLine xmlns:a14="http://schemas.microsoft.com/office/drawing/2010/main" xmlns="" w="9525">
+                <a14:hiddenLine xmlns="" xmlns:a14="http://schemas.microsoft.com/office/drawing/2010/main" w="9525">
                   <a:solidFill>
                     <a:srgbClr val="000000"/>
                   </a:solidFill>
@@ -4685,7 +4685,7 @@
             </a:ln>
             <a:extLst>
               <a:ext uri="{91240B29-F687-4f45-9708-019B960494DF}">
-                <a14:hiddenLine xmlns:a14="http://schemas.microsoft.com/office/drawing/2010/main" xmlns="" w="9525">
+                <a14:hiddenLine xmlns="" xmlns:a14="http://schemas.microsoft.com/office/drawing/2010/main" w="9525">
                   <a:solidFill>
                     <a:srgbClr val="000000"/>
                   </a:solidFill>
@@ -4805,7 +4805,7 @@
             </a:ln>
             <a:extLst>
               <a:ext uri="{91240B29-F687-4f45-9708-019B960494DF}">
-                <a14:hiddenLine xmlns:a14="http://schemas.microsoft.com/office/drawing/2010/main" xmlns="" w="9525">
+                <a14:hiddenLine xmlns="" xmlns:a14="http://schemas.microsoft.com/office/drawing/2010/main" w="9525">
                   <a:solidFill>
                     <a:srgbClr val="000000"/>
                   </a:solidFill>
@@ -4873,7 +4873,7 @@
             </a:ln>
             <a:extLst>
               <a:ext uri="{91240B29-F687-4f45-9708-019B960494DF}">
-                <a14:hiddenLine xmlns:a14="http://schemas.microsoft.com/office/drawing/2010/main" xmlns="" w="9525">
+                <a14:hiddenLine xmlns="" xmlns:a14="http://schemas.microsoft.com/office/drawing/2010/main" w="9525">
                   <a:solidFill>
                     <a:srgbClr val="000000"/>
                   </a:solidFill>
@@ -4963,7 +4963,7 @@
             </a:ln>
             <a:extLst>
               <a:ext uri="{91240B29-F687-4f45-9708-019B960494DF}">
-                <a14:hiddenLine xmlns:a14="http://schemas.microsoft.com/office/drawing/2010/main" xmlns="" w="9525">
+                <a14:hiddenLine xmlns="" xmlns:a14="http://schemas.microsoft.com/office/drawing/2010/main" w="9525">
                   <a:solidFill>
                     <a:srgbClr val="000000"/>
                   </a:solidFill>
@@ -9777,7 +9777,7 @@
           <a:noFill/>
           <a:extLst>
             <a:ext uri="{909E8E84-426E-40dd-AFC4-6F175D3DCCD1}">
-              <a14:hiddenFill xmlns:a14="http://schemas.microsoft.com/office/drawing/2010/main" xmlns="">
+              <a14:hiddenFill xmlns="" xmlns:a14="http://schemas.microsoft.com/office/drawing/2010/main">
                 <a:solidFill>
                   <a:srgbClr val="FFFFFF"/>
                 </a:solidFill>
@@ -9851,7 +9851,7 @@
               </a:ln>
               <a:extLst>
                 <a:ext uri="{91240B29-F687-4f45-9708-019B960494DF}">
-                  <a14:hiddenLine xmlns:a14="http://schemas.microsoft.com/office/drawing/2010/main" xmlns="" w="9525">
+                  <a14:hiddenLine xmlns="" xmlns:a14="http://schemas.microsoft.com/office/drawing/2010/main" w="9525">
                     <a:solidFill>
                       <a:srgbClr val="000000"/>
                     </a:solidFill>
@@ -9941,7 +9941,7 @@
               </a:ln>
               <a:extLst>
                 <a:ext uri="{91240B29-F687-4f45-9708-019B960494DF}">
-                  <a14:hiddenLine xmlns:a14="http://schemas.microsoft.com/office/drawing/2010/main" xmlns="" w="9525">
+                  <a14:hiddenLine xmlns="" xmlns:a14="http://schemas.microsoft.com/office/drawing/2010/main" w="9525">
                     <a:solidFill>
                       <a:srgbClr val="000000"/>
                     </a:solidFill>
@@ -10031,7 +10031,7 @@
               </a:ln>
               <a:extLst>
                 <a:ext uri="{91240B29-F687-4f45-9708-019B960494DF}">
-                  <a14:hiddenLine xmlns:a14="http://schemas.microsoft.com/office/drawing/2010/main" xmlns="" w="9525">
+                  <a14:hiddenLine xmlns="" xmlns:a14="http://schemas.microsoft.com/office/drawing/2010/main" w="9525">
                     <a:solidFill>
                       <a:srgbClr val="000000"/>
                     </a:solidFill>
@@ -10093,7 +10093,7 @@
               </a:ln>
               <a:extLst>
                 <a:ext uri="{91240B29-F687-4f45-9708-019B960494DF}">
-                  <a14:hiddenLine xmlns:a14="http://schemas.microsoft.com/office/drawing/2010/main" xmlns="" w="9525">
+                  <a14:hiddenLine xmlns="" xmlns:a14="http://schemas.microsoft.com/office/drawing/2010/main" w="9525">
                     <a:solidFill>
                       <a:srgbClr val="000000"/>
                     </a:solidFill>
@@ -10183,7 +10183,7 @@
               </a:ln>
               <a:extLst>
                 <a:ext uri="{91240B29-F687-4f45-9708-019B960494DF}">
-                  <a14:hiddenLine xmlns:a14="http://schemas.microsoft.com/office/drawing/2010/main" xmlns="" w="9525">
+                  <a14:hiddenLine xmlns="" xmlns:a14="http://schemas.microsoft.com/office/drawing/2010/main" w="9525">
                     <a:solidFill>
                       <a:srgbClr val="000000"/>
                     </a:solidFill>
@@ -10245,7 +10245,7 @@
               </a:ln>
               <a:extLst>
                 <a:ext uri="{91240B29-F687-4f45-9708-019B960494DF}">
-                  <a14:hiddenLine xmlns:a14="http://schemas.microsoft.com/office/drawing/2010/main" xmlns="" w="9525">
+                  <a14:hiddenLine xmlns="" xmlns:a14="http://schemas.microsoft.com/office/drawing/2010/main" w="9525">
                     <a:solidFill>
                       <a:srgbClr val="000000"/>
                     </a:solidFill>
@@ -10307,7 +10307,7 @@
               </a:ln>
               <a:extLst>
                 <a:ext uri="{91240B29-F687-4f45-9708-019B960494DF}">
-                  <a14:hiddenLine xmlns:a14="http://schemas.microsoft.com/office/drawing/2010/main" xmlns="" w="9525">
+                  <a14:hiddenLine xmlns="" xmlns:a14="http://schemas.microsoft.com/office/drawing/2010/main" w="9525">
                     <a:solidFill>
                       <a:srgbClr val="000000"/>
                     </a:solidFill>
@@ -10397,7 +10397,7 @@
               </a:ln>
               <a:extLst>
                 <a:ext uri="{91240B29-F687-4f45-9708-019B960494DF}">
-                  <a14:hiddenLine xmlns:a14="http://schemas.microsoft.com/office/drawing/2010/main" xmlns="" w="9525">
+                  <a14:hiddenLine xmlns="" xmlns:a14="http://schemas.microsoft.com/office/drawing/2010/main" w="9525">
                     <a:solidFill>
                       <a:srgbClr val="000000"/>
                     </a:solidFill>
@@ -10487,7 +10487,7 @@
               </a:ln>
               <a:extLst>
                 <a:ext uri="{91240B29-F687-4f45-9708-019B960494DF}">
-                  <a14:hiddenLine xmlns:a14="http://schemas.microsoft.com/office/drawing/2010/main" xmlns="" w="9525">
+                  <a14:hiddenLine xmlns="" xmlns:a14="http://schemas.microsoft.com/office/drawing/2010/main" w="9525">
                     <a:solidFill>
                       <a:srgbClr val="000000"/>
                     </a:solidFill>
@@ -10549,7 +10549,7 @@
               </a:ln>
               <a:extLst>
                 <a:ext uri="{91240B29-F687-4f45-9708-019B960494DF}">
-                  <a14:hiddenLine xmlns:a14="http://schemas.microsoft.com/office/drawing/2010/main" xmlns="" w="9525">
+                  <a14:hiddenLine xmlns="" xmlns:a14="http://schemas.microsoft.com/office/drawing/2010/main" w="9525">
                     <a:solidFill>
                       <a:srgbClr val="000000"/>
                     </a:solidFill>
@@ -10659,7 +10659,7 @@
               </a:ln>
               <a:extLst>
                 <a:ext uri="{91240B29-F687-4f45-9708-019B960494DF}">
-                  <a14:hiddenLine xmlns:a14="http://schemas.microsoft.com/office/drawing/2010/main" xmlns="" w="9525">
+                  <a14:hiddenLine xmlns="" xmlns:a14="http://schemas.microsoft.com/office/drawing/2010/main" w="9525">
                     <a:solidFill>
                       <a:srgbClr val="000000"/>
                     </a:solidFill>
@@ -10743,7 +10743,7 @@
               </a:ln>
               <a:extLst>
                 <a:ext uri="{91240B29-F687-4f45-9708-019B960494DF}">
-                  <a14:hiddenLine xmlns:a14="http://schemas.microsoft.com/office/drawing/2010/main" xmlns="" w="9525">
+                  <a14:hiddenLine xmlns="" xmlns:a14="http://schemas.microsoft.com/office/drawing/2010/main" w="9525">
                     <a:solidFill>
                       <a:srgbClr val="000000"/>
                     </a:solidFill>
@@ -10805,7 +10805,7 @@
               </a:ln>
               <a:extLst>
                 <a:ext uri="{91240B29-F687-4f45-9708-019B960494DF}">
-                  <a14:hiddenLine xmlns:a14="http://schemas.microsoft.com/office/drawing/2010/main" xmlns="" w="9525">
+                  <a14:hiddenLine xmlns="" xmlns:a14="http://schemas.microsoft.com/office/drawing/2010/main" w="9525">
                     <a:solidFill>
                       <a:srgbClr val="000000"/>
                     </a:solidFill>
@@ -10867,7 +10867,7 @@
               </a:ln>
               <a:extLst>
                 <a:ext uri="{91240B29-F687-4f45-9708-019B960494DF}">
-                  <a14:hiddenLine xmlns:a14="http://schemas.microsoft.com/office/drawing/2010/main" xmlns="" w="9525">
+                  <a14:hiddenLine xmlns="" xmlns:a14="http://schemas.microsoft.com/office/drawing/2010/main" w="9525">
                     <a:solidFill>
                       <a:srgbClr val="000000"/>
                     </a:solidFill>
@@ -10957,7 +10957,7 @@
               </a:ln>
               <a:extLst>
                 <a:ext uri="{91240B29-F687-4f45-9708-019B960494DF}">
-                  <a14:hiddenLine xmlns:a14="http://schemas.microsoft.com/office/drawing/2010/main" xmlns="" w="9525">
+                  <a14:hiddenLine xmlns="" xmlns:a14="http://schemas.microsoft.com/office/drawing/2010/main" w="9525">
                     <a:solidFill>
                       <a:srgbClr val="000000"/>
                     </a:solidFill>
@@ -10991,7 +10991,7 @@
               </a:ln>
               <a:extLst>
                 <a:ext uri="{91240B29-F687-4f45-9708-019B960494DF}">
-                  <a14:hiddenLine xmlns:a14="http://schemas.microsoft.com/office/drawing/2010/main" xmlns="" w="9525">
+                  <a14:hiddenLine xmlns="" xmlns:a14="http://schemas.microsoft.com/office/drawing/2010/main" w="9525">
                     <a:solidFill>
                       <a:srgbClr val="000000"/>
                     </a:solidFill>
@@ -11056,7 +11056,7 @@
               </a:ln>
               <a:extLst>
                 <a:ext uri="{91240B29-F687-4f45-9708-019B960494DF}">
-                  <a14:hiddenLine xmlns:a14="http://schemas.microsoft.com/office/drawing/2010/main" xmlns="" w="9525">
+                  <a14:hiddenLine xmlns="" xmlns:a14="http://schemas.microsoft.com/office/drawing/2010/main" w="9525">
                     <a:solidFill>
                       <a:srgbClr val="000000"/>
                     </a:solidFill>
@@ -11146,7 +11146,7 @@
               </a:ln>
               <a:extLst>
                 <a:ext uri="{91240B29-F687-4f45-9708-019B960494DF}">
-                  <a14:hiddenLine xmlns:a14="http://schemas.microsoft.com/office/drawing/2010/main" xmlns="" w="9525">
+                  <a14:hiddenLine xmlns="" xmlns:a14="http://schemas.microsoft.com/office/drawing/2010/main" w="9525">
                     <a:solidFill>
                       <a:srgbClr val="000000"/>
                     </a:solidFill>
@@ -11208,7 +11208,7 @@
               </a:ln>
               <a:extLst>
                 <a:ext uri="{91240B29-F687-4f45-9708-019B960494DF}">
-                  <a14:hiddenLine xmlns:a14="http://schemas.microsoft.com/office/drawing/2010/main" xmlns="" w="9525">
+                  <a14:hiddenLine xmlns="" xmlns:a14="http://schemas.microsoft.com/office/drawing/2010/main" w="9525">
                     <a:solidFill>
                       <a:srgbClr val="000000"/>
                     </a:solidFill>
@@ -11298,7 +11298,7 @@
               </a:ln>
               <a:extLst>
                 <a:ext uri="{91240B29-F687-4f45-9708-019B960494DF}">
-                  <a14:hiddenLine xmlns:a14="http://schemas.microsoft.com/office/drawing/2010/main" xmlns="" w="9525">
+                  <a14:hiddenLine xmlns="" xmlns:a14="http://schemas.microsoft.com/office/drawing/2010/main" w="9525">
                     <a:solidFill>
                       <a:srgbClr val="000000"/>
                     </a:solidFill>
@@ -11363,7 +11363,7 @@
               </a:ln>
               <a:extLst>
                 <a:ext uri="{91240B29-F687-4f45-9708-019B960494DF}">
-                  <a14:hiddenLine xmlns:a14="http://schemas.microsoft.com/office/drawing/2010/main" xmlns="" w="9525">
+                  <a14:hiddenLine xmlns="" xmlns:a14="http://schemas.microsoft.com/office/drawing/2010/main" w="9525">
                     <a:solidFill>
                       <a:srgbClr val="000000"/>
                     </a:solidFill>
@@ -11425,7 +11425,7 @@
               </a:ln>
               <a:extLst>
                 <a:ext uri="{91240B29-F687-4f45-9708-019B960494DF}">
-                  <a14:hiddenLine xmlns:a14="http://schemas.microsoft.com/office/drawing/2010/main" xmlns="" w="9525">
+                  <a14:hiddenLine xmlns="" xmlns:a14="http://schemas.microsoft.com/office/drawing/2010/main" w="9525">
                     <a:solidFill>
                       <a:srgbClr val="000000"/>
                     </a:solidFill>
@@ -11515,7 +11515,7 @@
               </a:ln>
               <a:extLst>
                 <a:ext uri="{91240B29-F687-4f45-9708-019B960494DF}">
-                  <a14:hiddenLine xmlns:a14="http://schemas.microsoft.com/office/drawing/2010/main" xmlns="" w="9525">
+                  <a14:hiddenLine xmlns="" xmlns:a14="http://schemas.microsoft.com/office/drawing/2010/main" w="9525">
                     <a:solidFill>
                       <a:srgbClr val="000000"/>
                     </a:solidFill>
@@ -11605,7 +11605,7 @@
               </a:ln>
               <a:extLst>
                 <a:ext uri="{91240B29-F687-4f45-9708-019B960494DF}">
-                  <a14:hiddenLine xmlns:a14="http://schemas.microsoft.com/office/drawing/2010/main" xmlns="" w="9525">
+                  <a14:hiddenLine xmlns="" xmlns:a14="http://schemas.microsoft.com/office/drawing/2010/main" w="9525">
                     <a:solidFill>
                       <a:srgbClr val="000000"/>
                     </a:solidFill>
@@ -11670,7 +11670,7 @@
               </a:ln>
               <a:extLst>
                 <a:ext uri="{91240B29-F687-4f45-9708-019B960494DF}">
-                  <a14:hiddenLine xmlns:a14="http://schemas.microsoft.com/office/drawing/2010/main" xmlns="" w="9525">
+                  <a14:hiddenLine xmlns="" xmlns:a14="http://schemas.microsoft.com/office/drawing/2010/main" w="9525">
                     <a:solidFill>
                       <a:srgbClr val="000000"/>
                     </a:solidFill>
@@ -11790,7 +11790,7 @@
               </a:ln>
               <a:extLst>
                 <a:ext uri="{91240B29-F687-4f45-9708-019B960494DF}">
-                  <a14:hiddenLine xmlns:a14="http://schemas.microsoft.com/office/drawing/2010/main" xmlns="" w="9525">
+                  <a14:hiddenLine xmlns="" xmlns:a14="http://schemas.microsoft.com/office/drawing/2010/main" w="9525">
                     <a:solidFill>
                       <a:srgbClr val="000000"/>
                     </a:solidFill>
@@ -11871,7 +11871,7 @@
               </a:ln>
               <a:extLst>
                 <a:ext uri="{91240B29-F687-4f45-9708-019B960494DF}">
-                  <a14:hiddenLine xmlns:a14="http://schemas.microsoft.com/office/drawing/2010/main" xmlns="" w="9525">
+                  <a14:hiddenLine xmlns="" xmlns:a14="http://schemas.microsoft.com/office/drawing/2010/main" w="9525">
                     <a:solidFill>
                       <a:srgbClr val="000000"/>
                     </a:solidFill>
@@ -11986,7 +11986,7 @@
               </a:ln>
               <a:extLst>
                 <a:ext uri="{91240B29-F687-4f45-9708-019B960494DF}">
-                  <a14:hiddenLine xmlns:a14="http://schemas.microsoft.com/office/drawing/2010/main" xmlns="" w="9525">
+                  <a14:hiddenLine xmlns="" xmlns:a14="http://schemas.microsoft.com/office/drawing/2010/main" w="9525">
                     <a:solidFill>
                       <a:srgbClr val="000000"/>
                     </a:solidFill>
@@ -12076,7 +12076,7 @@
               </a:ln>
               <a:extLst>
                 <a:ext uri="{91240B29-F687-4f45-9708-019B960494DF}">
-                  <a14:hiddenLine xmlns:a14="http://schemas.microsoft.com/office/drawing/2010/main" xmlns="" w="9525">
+                  <a14:hiddenLine xmlns="" xmlns:a14="http://schemas.microsoft.com/office/drawing/2010/main" w="9525">
                     <a:solidFill>
                       <a:srgbClr val="000000"/>
                     </a:solidFill>
@@ -12141,7 +12141,7 @@
               </a:ln>
               <a:extLst>
                 <a:ext uri="{91240B29-F687-4f45-9708-019B960494DF}">
-                  <a14:hiddenLine xmlns:a14="http://schemas.microsoft.com/office/drawing/2010/main" xmlns="" w="9525">
+                  <a14:hiddenLine xmlns="" xmlns:a14="http://schemas.microsoft.com/office/drawing/2010/main" w="9525">
                     <a:solidFill>
                       <a:srgbClr val="000000"/>
                     </a:solidFill>
@@ -12231,7 +12231,7 @@
               </a:ln>
               <a:extLst>
                 <a:ext uri="{91240B29-F687-4f45-9708-019B960494DF}">
-                  <a14:hiddenLine xmlns:a14="http://schemas.microsoft.com/office/drawing/2010/main" xmlns="" w="9525">
+                  <a14:hiddenLine xmlns="" xmlns:a14="http://schemas.microsoft.com/office/drawing/2010/main" w="9525">
                     <a:solidFill>
                       <a:srgbClr val="000000"/>
                     </a:solidFill>
@@ -12299,7 +12299,7 @@
               </a:ln>
               <a:extLst>
                 <a:ext uri="{91240B29-F687-4f45-9708-019B960494DF}">
-                  <a14:hiddenLine xmlns:a14="http://schemas.microsoft.com/office/drawing/2010/main" xmlns="" w="9525">
+                  <a14:hiddenLine xmlns="" xmlns:a14="http://schemas.microsoft.com/office/drawing/2010/main" w="9525">
                     <a:solidFill>
                       <a:srgbClr val="000000"/>
                     </a:solidFill>
@@ -12389,7 +12389,7 @@
               </a:ln>
               <a:extLst>
                 <a:ext uri="{91240B29-F687-4f45-9708-019B960494DF}">
-                  <a14:hiddenLine xmlns:a14="http://schemas.microsoft.com/office/drawing/2010/main" xmlns="" w="9525">
+                  <a14:hiddenLine xmlns="" xmlns:a14="http://schemas.microsoft.com/office/drawing/2010/main" w="9525">
                     <a:solidFill>
                       <a:srgbClr val="000000"/>
                     </a:solidFill>
@@ -12457,7 +12457,7 @@
               </a:ln>
               <a:extLst>
                 <a:ext uri="{91240B29-F687-4f45-9708-019B960494DF}">
-                  <a14:hiddenLine xmlns:a14="http://schemas.microsoft.com/office/drawing/2010/main" xmlns="" w="9525">
+                  <a14:hiddenLine xmlns="" xmlns:a14="http://schemas.microsoft.com/office/drawing/2010/main" w="9525">
                     <a:solidFill>
                       <a:srgbClr val="000000"/>
                     </a:solidFill>
@@ -12547,7 +12547,7 @@
               </a:ln>
               <a:extLst>
                 <a:ext uri="{91240B29-F687-4f45-9708-019B960494DF}">
-                  <a14:hiddenLine xmlns:a14="http://schemas.microsoft.com/office/drawing/2010/main" xmlns="" w="9525">
+                  <a14:hiddenLine xmlns="" xmlns:a14="http://schemas.microsoft.com/office/drawing/2010/main" w="9525">
                     <a:solidFill>
                       <a:srgbClr val="000000"/>
                     </a:solidFill>
@@ -12581,7 +12581,7 @@
               </a:ln>
               <a:extLst>
                 <a:ext uri="{91240B29-F687-4f45-9708-019B960494DF}">
-                  <a14:hiddenLine xmlns:a14="http://schemas.microsoft.com/office/drawing/2010/main" xmlns="" w="9525">
+                  <a14:hiddenLine xmlns="" xmlns:a14="http://schemas.microsoft.com/office/drawing/2010/main" w="9525">
                     <a:solidFill>
                       <a:srgbClr val="000000"/>
                     </a:solidFill>
@@ -15415,34 +15415,16 @@
           </a:p>
           <a:p>
             <a:r>
-              <a:rPr lang="tr-TR" dirty="0">
+              <a:rPr lang="tr-TR">
                 <a:latin typeface="Agency FB" panose="020B0503020202020204" pitchFamily="34" charset="0"/>
               </a:rPr>
-              <a:t>Video </a:t>
-            </a:r>
-            <a:r>
-              <a:rPr lang="tr-TR" dirty="0" err="1">
-                <a:latin typeface="Agency FB" panose="020B0503020202020204" pitchFamily="34" charset="0"/>
-              </a:rPr>
-              <a:t>frame</a:t>
+              <a:t>Video kare </a:t>
             </a:r>
             <a:r>
               <a:rPr lang="tr-TR" dirty="0">
                 <a:latin typeface="Agency FB" panose="020B0503020202020204" pitchFamily="34" charset="0"/>
               </a:rPr>
-              <a:t> </a:t>
-            </a:r>
-            <a:r>
-              <a:rPr lang="tr-TR" dirty="0" err="1">
-                <a:latin typeface="Agency FB" panose="020B0503020202020204" pitchFamily="34" charset="0"/>
-              </a:rPr>
-              <a:t>frame</a:t>
-            </a:r>
-            <a:r>
-              <a:rPr lang="tr-TR" dirty="0">
-                <a:latin typeface="Agency FB" panose="020B0503020202020204" pitchFamily="34" charset="0"/>
-              </a:rPr>
-              <a:t> oynatılmaya başlar.</a:t>
+              <a:t>kare oynatılmaya başlar.</a:t>
             </a:r>
           </a:p>
         </p:txBody>
